--- a/Kafka_learn.pptx
+++ b/Kafka_learn.pptx
@@ -11,7 +11,9 @@
     <p:sldId id="260" r:id="rId5"/>
     <p:sldId id="261" r:id="rId6"/>
     <p:sldId id="262" r:id="rId7"/>
-    <p:sldId id="258" r:id="rId8"/>
+    <p:sldId id="263" r:id="rId8"/>
+    <p:sldId id="264" r:id="rId9"/>
+    <p:sldId id="258" r:id="rId10"/>
   </p:sldIdLst>
   <p:sldSz cx="12192000" cy="6858000"/>
   <p:notesSz cx="6858000" cy="9144000"/>
@@ -265,7 +267,7 @@
           <a:p>
             <a:fld id="{2759CE0E-71E0-CC49-8A95-2E1927AE9AF7}" type="datetimeFigureOut">
               <a:rPr lang="en-US" smtClean="0"/>
-              <a:t>9/11/20</a:t>
+              <a:t>9/14/20</a:t>
             </a:fld>
             <a:endParaRPr lang="en-US"/>
           </a:p>
@@ -463,7 +465,7 @@
           <a:p>
             <a:fld id="{2759CE0E-71E0-CC49-8A95-2E1927AE9AF7}" type="datetimeFigureOut">
               <a:rPr lang="en-US" smtClean="0"/>
-              <a:t>9/11/20</a:t>
+              <a:t>9/14/20</a:t>
             </a:fld>
             <a:endParaRPr lang="en-US"/>
           </a:p>
@@ -671,7 +673,7 @@
           <a:p>
             <a:fld id="{2759CE0E-71E0-CC49-8A95-2E1927AE9AF7}" type="datetimeFigureOut">
               <a:rPr lang="en-US" smtClean="0"/>
-              <a:t>9/11/20</a:t>
+              <a:t>9/14/20</a:t>
             </a:fld>
             <a:endParaRPr lang="en-US"/>
           </a:p>
@@ -869,7 +871,7 @@
           <a:p>
             <a:fld id="{2759CE0E-71E0-CC49-8A95-2E1927AE9AF7}" type="datetimeFigureOut">
               <a:rPr lang="en-US" smtClean="0"/>
-              <a:t>9/11/20</a:t>
+              <a:t>9/14/20</a:t>
             </a:fld>
             <a:endParaRPr lang="en-US"/>
           </a:p>
@@ -1144,7 +1146,7 @@
           <a:p>
             <a:fld id="{2759CE0E-71E0-CC49-8A95-2E1927AE9AF7}" type="datetimeFigureOut">
               <a:rPr lang="en-US" smtClean="0"/>
-              <a:t>9/11/20</a:t>
+              <a:t>9/14/20</a:t>
             </a:fld>
             <a:endParaRPr lang="en-US"/>
           </a:p>
@@ -1409,7 +1411,7 @@
           <a:p>
             <a:fld id="{2759CE0E-71E0-CC49-8A95-2E1927AE9AF7}" type="datetimeFigureOut">
               <a:rPr lang="en-US" smtClean="0"/>
-              <a:t>9/11/20</a:t>
+              <a:t>9/14/20</a:t>
             </a:fld>
             <a:endParaRPr lang="en-US"/>
           </a:p>
@@ -1821,7 +1823,7 @@
           <a:p>
             <a:fld id="{2759CE0E-71E0-CC49-8A95-2E1927AE9AF7}" type="datetimeFigureOut">
               <a:rPr lang="en-US" smtClean="0"/>
-              <a:t>9/11/20</a:t>
+              <a:t>9/14/20</a:t>
             </a:fld>
             <a:endParaRPr lang="en-US"/>
           </a:p>
@@ -1962,7 +1964,7 @@
           <a:p>
             <a:fld id="{2759CE0E-71E0-CC49-8A95-2E1927AE9AF7}" type="datetimeFigureOut">
               <a:rPr lang="en-US" smtClean="0"/>
-              <a:t>9/11/20</a:t>
+              <a:t>9/14/20</a:t>
             </a:fld>
             <a:endParaRPr lang="en-US"/>
           </a:p>
@@ -2075,7 +2077,7 @@
           <a:p>
             <a:fld id="{2759CE0E-71E0-CC49-8A95-2E1927AE9AF7}" type="datetimeFigureOut">
               <a:rPr lang="en-US" smtClean="0"/>
-              <a:t>9/11/20</a:t>
+              <a:t>9/14/20</a:t>
             </a:fld>
             <a:endParaRPr lang="en-US"/>
           </a:p>
@@ -2386,7 +2388,7 @@
           <a:p>
             <a:fld id="{2759CE0E-71E0-CC49-8A95-2E1927AE9AF7}" type="datetimeFigureOut">
               <a:rPr lang="en-US" smtClean="0"/>
-              <a:t>9/11/20</a:t>
+              <a:t>9/14/20</a:t>
             </a:fld>
             <a:endParaRPr lang="en-US"/>
           </a:p>
@@ -2674,7 +2676,7 @@
           <a:p>
             <a:fld id="{2759CE0E-71E0-CC49-8A95-2E1927AE9AF7}" type="datetimeFigureOut">
               <a:rPr lang="en-US" smtClean="0"/>
-              <a:t>9/11/20</a:t>
+              <a:t>9/14/20</a:t>
             </a:fld>
             <a:endParaRPr lang="en-US"/>
           </a:p>
@@ -2915,7 +2917,7 @@
           <a:p>
             <a:fld id="{2759CE0E-71E0-CC49-8A95-2E1927AE9AF7}" type="datetimeFigureOut">
               <a:rPr lang="en-US" smtClean="0"/>
-              <a:t>9/11/20</a:t>
+              <a:t>9/14/20</a:t>
             </a:fld>
             <a:endParaRPr lang="en-US"/>
           </a:p>
@@ -12010,6 +12012,1287 @@
       </p:grpSpPr>
       <p:sp>
         <p:nvSpPr>
+          <p:cNvPr id="5" name="TextBox 4">
+            <a:extLst>
+              <a:ext uri="{FF2B5EF4-FFF2-40B4-BE49-F238E27FC236}">
+                <a16:creationId xmlns:a16="http://schemas.microsoft.com/office/drawing/2014/main" id="{9FD78C33-C146-7E44-A5F4-21D6033612E7}"/>
+              </a:ext>
+            </a:extLst>
+          </p:cNvPr>
+          <p:cNvSpPr txBox="1"/>
+          <p:nvPr/>
+        </p:nvSpPr>
+        <p:spPr>
+          <a:xfrm>
+            <a:off x="117231" y="105508"/>
+            <a:ext cx="11922369" cy="6740307"/>
+          </a:xfrm>
+          <a:prstGeom prst="rect">
+            <a:avLst/>
+          </a:prstGeom>
+          <a:noFill/>
+        </p:spPr>
+        <p:txBody>
+          <a:bodyPr wrap="square" rtlCol="0">
+            <a:spAutoFit/>
+          </a:bodyPr>
+          <a:lstStyle/>
+          <a:p>
+            <a:r>
+              <a:rPr lang="en-US" sz="1200" dirty="0"/>
+              <a:t>Kafka Stateful Transformation DOC : </a:t>
+            </a:r>
+            <a:r>
+              <a:rPr lang="en-US" sz="1200" dirty="0">
+                <a:hlinkClick r:id="rId2"/>
+              </a:rPr>
+              <a:t>https://docs.confluent.io/current/streams/developer-guide/dsl-api.html#stateful-transformations</a:t>
+            </a:r>
+            <a:r>
+              <a:rPr lang="en-US" sz="1200" dirty="0"/>
+              <a:t> </a:t>
+            </a:r>
+          </a:p>
+          <a:p>
+            <a:endParaRPr lang="en-US" sz="1200" dirty="0"/>
+          </a:p>
+          <a:p>
+            <a:r>
+              <a:rPr lang="en-US" sz="1200" dirty="0" err="1"/>
+              <a:t>KTable</a:t>
+            </a:r>
+            <a:r>
+              <a:rPr lang="en-US" sz="1200" dirty="0"/>
+              <a:t> </a:t>
+            </a:r>
+            <a:r>
+              <a:rPr lang="en-US" sz="1200" dirty="0" err="1"/>
+              <a:t>GroupBY</a:t>
+            </a:r>
+            <a:r>
+              <a:rPr lang="en-US" sz="1200" dirty="0"/>
+              <a:t> :  </a:t>
+            </a:r>
+          </a:p>
+          <a:p>
+            <a:pPr lvl="1"/>
+            <a:r>
+              <a:rPr lang="en-US" sz="1200" dirty="0"/>
+              <a:t>Its allow us to create new key value pair. </a:t>
+            </a:r>
+            <a:r>
+              <a:rPr lang="en-US" sz="1200" dirty="0" err="1"/>
+              <a:t>userColorTable.groupBy</a:t>
+            </a:r>
+            <a:r>
+              <a:rPr lang="en-US" sz="1200" dirty="0"/>
+              <a:t>((key, value) -&gt; </a:t>
+            </a:r>
+            <a:r>
+              <a:rPr lang="en-US" sz="1200" dirty="0" err="1"/>
+              <a:t>KeyValue.</a:t>
+            </a:r>
+            <a:r>
+              <a:rPr lang="en-US" sz="1200" i="1" dirty="0" err="1"/>
+              <a:t>pair</a:t>
+            </a:r>
+            <a:r>
+              <a:rPr lang="en-US" sz="1200" dirty="0"/>
+              <a:t>(value, value))</a:t>
+            </a:r>
+          </a:p>
+          <a:p>
+            <a:pPr lvl="1"/>
+            <a:r>
+              <a:rPr lang="en-US" sz="1200" dirty="0"/>
+              <a:t>It triggers re partition since key get changed. </a:t>
+            </a:r>
+          </a:p>
+          <a:p>
+            <a:r>
+              <a:rPr lang="en-US" sz="1200" dirty="0" err="1"/>
+              <a:t>KGroupedStream</a:t>
+            </a:r>
+            <a:r>
+              <a:rPr lang="en-US" sz="1200" dirty="0"/>
+              <a:t> / </a:t>
+            </a:r>
+            <a:r>
+              <a:rPr lang="en-US" sz="1200" dirty="0" err="1"/>
+              <a:t>KGroupedTable</a:t>
+            </a:r>
+            <a:r>
+              <a:rPr lang="en-US" sz="1200" dirty="0"/>
+              <a:t> ( </a:t>
+            </a:r>
+            <a:r>
+              <a:rPr lang="en-US" sz="1200" dirty="0" err="1"/>
+              <a:t>KGroupedStream</a:t>
+            </a:r>
+            <a:r>
+              <a:rPr lang="en-US" sz="1200" dirty="0"/>
+              <a:t> / </a:t>
+            </a:r>
+            <a:r>
+              <a:rPr lang="en-US" sz="1200" dirty="0" err="1"/>
+              <a:t>KGroupedTable</a:t>
+            </a:r>
+            <a:r>
+              <a:rPr lang="en-US" sz="1200" dirty="0"/>
+              <a:t> obtained by calling </a:t>
+            </a:r>
+            <a:r>
+              <a:rPr lang="en-US" sz="1200" dirty="0" err="1"/>
+              <a:t>groupBy</a:t>
+            </a:r>
+            <a:r>
+              <a:rPr lang="en-US" sz="1200" dirty="0"/>
+              <a:t> / </a:t>
+            </a:r>
+            <a:r>
+              <a:rPr lang="en-US" sz="1200" dirty="0" err="1"/>
+              <a:t>groupByKey</a:t>
+            </a:r>
+            <a:r>
+              <a:rPr lang="en-US" sz="1200" dirty="0"/>
+              <a:t> call on stream / group. )</a:t>
+            </a:r>
+          </a:p>
+          <a:p>
+            <a:pPr marL="628650" lvl="1" indent="-171450">
+              <a:buFont typeface="Arial" panose="020B0604020202020204" pitchFamily="34" charset="0"/>
+              <a:buChar char="•"/>
+            </a:pPr>
+            <a:r>
+              <a:rPr lang="en-US" sz="1200" dirty="0"/>
+              <a:t>Count : count the number of record by grouped key. </a:t>
+            </a:r>
+          </a:p>
+          <a:p>
+            <a:pPr marL="628650" lvl="1" indent="-171450">
+              <a:buFont typeface="Arial" panose="020B0604020202020204" pitchFamily="34" charset="0"/>
+              <a:buChar char="•"/>
+            </a:pPr>
+            <a:r>
+              <a:rPr lang="en-US" sz="1200" dirty="0"/>
+              <a:t>Aggregate</a:t>
+            </a:r>
+          </a:p>
+          <a:p>
+            <a:pPr marL="1085850" lvl="2" indent="-171450">
+              <a:buFont typeface="Arial" panose="020B0604020202020204" pitchFamily="34" charset="0"/>
+              <a:buChar char="•"/>
+            </a:pPr>
+            <a:r>
+              <a:rPr lang="en-US" sz="1200" dirty="0"/>
+              <a:t>more powerful aggregate operation ( count ). Its need to pass initial value, adder ( operation when new value received), </a:t>
+            </a:r>
+            <a:r>
+              <a:rPr lang="en-US" sz="1200" dirty="0" err="1"/>
+              <a:t>serde</a:t>
+            </a:r>
+            <a:r>
+              <a:rPr lang="en-US" sz="1200" dirty="0"/>
+              <a:t> – type, state store name</a:t>
+            </a:r>
+          </a:p>
+          <a:p>
+            <a:pPr marL="1085850" lvl="2" indent="-171450">
+              <a:buFont typeface="Arial" panose="020B0604020202020204" pitchFamily="34" charset="0"/>
+              <a:buChar char="•"/>
+            </a:pPr>
+            <a:r>
+              <a:rPr lang="en-US" sz="1200" dirty="0"/>
+              <a:t>For </a:t>
+            </a:r>
+            <a:r>
+              <a:rPr lang="en-US" sz="1200" dirty="0" err="1"/>
+              <a:t>KGrouptedTable</a:t>
+            </a:r>
+            <a:r>
+              <a:rPr lang="en-US" sz="1200" dirty="0"/>
+              <a:t> </a:t>
+            </a:r>
+            <a:r>
+              <a:rPr lang="en-US" sz="1200" dirty="0" err="1"/>
+              <a:t>shold</a:t>
+            </a:r>
+            <a:r>
+              <a:rPr lang="en-US" sz="1200" dirty="0"/>
+              <a:t> pass initial value, adder ( operation when new value received), </a:t>
+            </a:r>
+            <a:r>
+              <a:rPr lang="en-US" sz="1200" dirty="0" err="1"/>
+              <a:t>substractor</a:t>
+            </a:r>
+            <a:r>
+              <a:rPr lang="en-US" sz="1200" dirty="0"/>
+              <a:t> ( operation when value deleted), </a:t>
+            </a:r>
+            <a:r>
+              <a:rPr lang="en-US" sz="1200" dirty="0" err="1"/>
+              <a:t>serde</a:t>
+            </a:r>
+            <a:r>
+              <a:rPr lang="en-US" sz="1200" dirty="0"/>
+              <a:t> – type, state store name</a:t>
+            </a:r>
+          </a:p>
+          <a:p>
+            <a:pPr marL="628650" lvl="1" indent="-171450">
+              <a:buFont typeface="Arial" panose="020B0604020202020204" pitchFamily="34" charset="0"/>
+              <a:buChar char="•"/>
+            </a:pPr>
+            <a:r>
+              <a:rPr lang="en-US" sz="1200" dirty="0"/>
+              <a:t>Reduce : </a:t>
+            </a:r>
+          </a:p>
+          <a:p>
+            <a:pPr marL="1085850" lvl="2" indent="-171450">
+              <a:buFont typeface="Arial" panose="020B0604020202020204" pitchFamily="34" charset="0"/>
+              <a:buChar char="•"/>
+            </a:pPr>
+            <a:r>
+              <a:rPr lang="en-US" sz="1200" dirty="0"/>
+              <a:t>Similar to Aggregate. But the result type has to be the same as the input. ( should provide – adder store name ) for </a:t>
+            </a:r>
+            <a:r>
+              <a:rPr lang="en-US" sz="1200" dirty="0" err="1"/>
+              <a:t>Ktable</a:t>
+            </a:r>
+            <a:r>
+              <a:rPr lang="en-US" sz="1200" dirty="0"/>
+              <a:t> should provide </a:t>
+            </a:r>
+            <a:r>
+              <a:rPr lang="en-US" sz="1200" dirty="0" err="1"/>
+              <a:t>substractor</a:t>
+            </a:r>
+            <a:r>
+              <a:rPr lang="en-US" sz="1200" dirty="0"/>
+              <a:t> </a:t>
+            </a:r>
+            <a:r>
+              <a:rPr lang="en-US" sz="1200" dirty="0" err="1"/>
+              <a:t>additionaly</a:t>
+            </a:r>
+            <a:r>
+              <a:rPr lang="en-US" sz="1200" dirty="0"/>
+              <a:t>. </a:t>
+            </a:r>
+          </a:p>
+          <a:p>
+            <a:pPr marL="1085850" lvl="2" indent="-171450">
+              <a:buFont typeface="Arial" panose="020B0604020202020204" pitchFamily="34" charset="0"/>
+              <a:buChar char="•"/>
+            </a:pPr>
+            <a:r>
+              <a:rPr lang="en-US" sz="1200" dirty="0"/>
+              <a:t>(</a:t>
+            </a:r>
+            <a:r>
+              <a:rPr lang="en-US" sz="1200" dirty="0" err="1"/>
+              <a:t>int</a:t>
+            </a:r>
+            <a:r>
+              <a:rPr lang="en-US" sz="1200" dirty="0"/>
+              <a:t>, </a:t>
+            </a:r>
+            <a:r>
+              <a:rPr lang="en-US" sz="1200" dirty="0" err="1"/>
+              <a:t>int</a:t>
+            </a:r>
+            <a:r>
+              <a:rPr lang="en-US" sz="1200" dirty="0"/>
+              <a:t>) </a:t>
+            </a:r>
+            <a:r>
+              <a:rPr lang="en-US" sz="1200" dirty="0">
+                <a:sym typeface="Wingdings" pitchFamily="2" charset="2"/>
+              </a:rPr>
+              <a:t> </a:t>
+            </a:r>
+            <a:r>
+              <a:rPr lang="en-US" sz="1200" dirty="0" err="1">
+                <a:sym typeface="Wingdings" pitchFamily="2" charset="2"/>
+              </a:rPr>
+              <a:t>int</a:t>
+            </a:r>
+            <a:r>
+              <a:rPr lang="en-US" sz="1200" dirty="0">
+                <a:sym typeface="Wingdings" pitchFamily="2" charset="2"/>
+              </a:rPr>
+              <a:t> ( example : a * b )</a:t>
+            </a:r>
+          </a:p>
+          <a:p>
+            <a:pPr marL="1085850" lvl="2" indent="-171450">
+              <a:buFont typeface="Arial" panose="020B0604020202020204" pitchFamily="34" charset="0"/>
+              <a:buChar char="•"/>
+            </a:pPr>
+            <a:r>
+              <a:rPr lang="en-US" sz="1200" dirty="0">
+                <a:sym typeface="Wingdings" pitchFamily="2" charset="2"/>
+              </a:rPr>
+              <a:t>(String, String )  String ( example: </a:t>
+            </a:r>
+            <a:r>
+              <a:rPr lang="en-US" sz="1200" dirty="0" err="1">
+                <a:sym typeface="Wingdings" pitchFamily="2" charset="2"/>
+              </a:rPr>
+              <a:t>concat</a:t>
+            </a:r>
+            <a:r>
+              <a:rPr lang="en-US" sz="1200" dirty="0">
+                <a:sym typeface="Wingdings" pitchFamily="2" charset="2"/>
+              </a:rPr>
+              <a:t>(</a:t>
+            </a:r>
+            <a:r>
+              <a:rPr lang="en-US" sz="1200" dirty="0" err="1">
+                <a:sym typeface="Wingdings" pitchFamily="2" charset="2"/>
+              </a:rPr>
+              <a:t>a,b</a:t>
+            </a:r>
+            <a:r>
+              <a:rPr lang="en-US" sz="1200" dirty="0">
+                <a:sym typeface="Wingdings" pitchFamily="2" charset="2"/>
+              </a:rPr>
+              <a:t>))</a:t>
+            </a:r>
+          </a:p>
+          <a:p>
+            <a:pPr marL="628650" lvl="1" indent="-171450">
+              <a:buFont typeface="Arial" panose="020B0604020202020204" pitchFamily="34" charset="0"/>
+              <a:buChar char="•"/>
+            </a:pPr>
+            <a:r>
+              <a:rPr lang="en-US" sz="1200" dirty="0">
+                <a:sym typeface="Wingdings" pitchFamily="2" charset="2"/>
+              </a:rPr>
+              <a:t>Peek : </a:t>
+            </a:r>
+            <a:r>
+              <a:rPr lang="en-US" sz="1200" dirty="0" err="1">
+                <a:sym typeface="Wingdings" pitchFamily="2" charset="2"/>
+              </a:rPr>
+              <a:t>Sife</a:t>
+            </a:r>
+            <a:r>
+              <a:rPr lang="en-US" sz="1200" dirty="0">
+                <a:sym typeface="Wingdings" pitchFamily="2" charset="2"/>
+              </a:rPr>
+              <a:t> effect to stream, get the </a:t>
+            </a:r>
+            <a:r>
+              <a:rPr lang="en-US" sz="1200" dirty="0" err="1">
+                <a:sym typeface="Wingdings" pitchFamily="2" charset="2"/>
+              </a:rPr>
+              <a:t>KStream</a:t>
+            </a:r>
+            <a:r>
+              <a:rPr lang="en-US" sz="1200" dirty="0">
+                <a:sym typeface="Wingdings" pitchFamily="2" charset="2"/>
+              </a:rPr>
+              <a:t> as the result. ( like logs, )</a:t>
+            </a:r>
+          </a:p>
+          <a:p>
+            <a:r>
+              <a:rPr lang="en-US" sz="1200" dirty="0" err="1">
+                <a:sym typeface="Wingdings" pitchFamily="2" charset="2"/>
+              </a:rPr>
+              <a:t>KStream</a:t>
+            </a:r>
+            <a:r>
+              <a:rPr lang="en-US" sz="1200" dirty="0">
+                <a:sym typeface="Wingdings" pitchFamily="2" charset="2"/>
+              </a:rPr>
+              <a:t> Transform / </a:t>
+            </a:r>
+            <a:r>
+              <a:rPr lang="en-US" sz="1200" dirty="0" err="1">
+                <a:sym typeface="Wingdings" pitchFamily="2" charset="2"/>
+              </a:rPr>
+              <a:t>TransformValues</a:t>
+            </a:r>
+            <a:endParaRPr lang="en-US" sz="1200" dirty="0">
+              <a:sym typeface="Wingdings" pitchFamily="2" charset="2"/>
+            </a:endParaRPr>
+          </a:p>
+          <a:p>
+            <a:pPr lvl="1"/>
+            <a:r>
+              <a:rPr lang="en-US" sz="1200" dirty="0">
+                <a:sym typeface="Wingdings" pitchFamily="2" charset="2"/>
+              </a:rPr>
+              <a:t>Apply transformation to each record. </a:t>
+            </a:r>
+          </a:p>
+          <a:p>
+            <a:pPr lvl="1"/>
+            <a:endParaRPr lang="en-US" sz="1200" dirty="0">
+              <a:sym typeface="Wingdings" pitchFamily="2" charset="2"/>
+            </a:endParaRPr>
+          </a:p>
+          <a:p>
+            <a:pPr lvl="1"/>
+            <a:endParaRPr lang="en-US" sz="1200" dirty="0">
+              <a:sym typeface="Wingdings" pitchFamily="2" charset="2"/>
+            </a:endParaRPr>
+          </a:p>
+          <a:p>
+            <a:r>
+              <a:rPr lang="en-US" sz="1200" dirty="0">
+                <a:sym typeface="Wingdings" pitchFamily="2" charset="2"/>
+              </a:rPr>
+              <a:t>Exactly-Once Semantics – Ex : </a:t>
+            </a:r>
+            <a:r>
+              <a:rPr lang="en-US" sz="1200" dirty="0" err="1"/>
+              <a:t>BankBalanceExactlyOnce</a:t>
+            </a:r>
+            <a:endParaRPr lang="en-US" sz="1200" dirty="0">
+              <a:sym typeface="Wingdings" pitchFamily="2" charset="2"/>
+            </a:endParaRPr>
+          </a:p>
+          <a:p>
+            <a:pPr lvl="1"/>
+            <a:r>
+              <a:rPr lang="en-US" sz="1200" dirty="0">
+                <a:sym typeface="Wingdings" pitchFamily="2" charset="2"/>
+              </a:rPr>
+              <a:t>Is ability to guaranteed that</a:t>
+            </a:r>
+            <a:r>
+              <a:rPr lang="en-US" sz="1200" b="1" dirty="0">
+                <a:sym typeface="Wingdings" pitchFamily="2" charset="2"/>
+              </a:rPr>
+              <a:t> </a:t>
+            </a:r>
+            <a:r>
+              <a:rPr lang="en-US" sz="1200" b="1" dirty="0">
+                <a:solidFill>
+                  <a:schemeClr val="accent6">
+                    <a:lumMod val="50000"/>
+                  </a:schemeClr>
+                </a:solidFill>
+                <a:sym typeface="Wingdings" pitchFamily="2" charset="2"/>
+              </a:rPr>
+              <a:t>data processing on each message will happen only once</a:t>
+            </a:r>
+            <a:r>
+              <a:rPr lang="en-US" sz="1200" dirty="0">
+                <a:solidFill>
+                  <a:schemeClr val="accent6">
+                    <a:lumMod val="50000"/>
+                  </a:schemeClr>
+                </a:solidFill>
+                <a:sym typeface="Wingdings" pitchFamily="2" charset="2"/>
+              </a:rPr>
+              <a:t>. </a:t>
+            </a:r>
+            <a:r>
+              <a:rPr lang="en-US" sz="1200" dirty="0">
+                <a:sym typeface="Wingdings" pitchFamily="2" charset="2"/>
+              </a:rPr>
+              <a:t>And that </a:t>
+            </a:r>
+            <a:r>
+              <a:rPr lang="en-US" sz="1200" b="1" dirty="0">
+                <a:solidFill>
+                  <a:schemeClr val="accent6">
+                    <a:lumMod val="50000"/>
+                  </a:schemeClr>
+                </a:solidFill>
+                <a:sym typeface="Wingdings" pitchFamily="2" charset="2"/>
+              </a:rPr>
+              <a:t>pushing the message back to Kafka also will happen effectively only once.</a:t>
+            </a:r>
+          </a:p>
+          <a:p>
+            <a:pPr lvl="1"/>
+            <a:r>
+              <a:rPr lang="en-US" sz="1200" dirty="0">
+                <a:sym typeface="Wingdings" pitchFamily="2" charset="2"/>
+              </a:rPr>
+              <a:t>Kafka achieving it through: </a:t>
+            </a:r>
+          </a:p>
+          <a:p>
+            <a:pPr lvl="2"/>
+            <a:r>
+              <a:rPr lang="en-US" sz="1200" dirty="0">
+                <a:sym typeface="Wingdings" pitchFamily="2" charset="2"/>
+              </a:rPr>
+              <a:t>Produces make as idempotent. </a:t>
+            </a:r>
+          </a:p>
+          <a:p>
+            <a:pPr lvl="2"/>
+            <a:r>
+              <a:rPr lang="en-US" sz="1200" dirty="0">
+                <a:sym typeface="Wingdings" pitchFamily="2" charset="2"/>
+              </a:rPr>
+              <a:t>Allow transaction handle when writing multiple messages to different </a:t>
+            </a:r>
+            <a:r>
+              <a:rPr lang="en-US" sz="1200" dirty="0" err="1">
+                <a:sym typeface="Wingdings" pitchFamily="2" charset="2"/>
+              </a:rPr>
+              <a:t>kafka</a:t>
+            </a:r>
+            <a:r>
+              <a:rPr lang="en-US" sz="1200" dirty="0">
+                <a:sym typeface="Wingdings" pitchFamily="2" charset="2"/>
+              </a:rPr>
+              <a:t> topics. </a:t>
+            </a:r>
+          </a:p>
+          <a:p>
+            <a:pPr lvl="1"/>
+            <a:r>
+              <a:rPr lang="en-US" sz="1200" dirty="0">
+                <a:sym typeface="Wingdings" pitchFamily="2" charset="2"/>
+              </a:rPr>
+              <a:t>Problem with At-Least once. </a:t>
+            </a:r>
+          </a:p>
+          <a:p>
+            <a:pPr lvl="2"/>
+            <a:r>
+              <a:rPr lang="en-US" sz="1200" dirty="0">
+                <a:sym typeface="Wingdings" pitchFamily="2" charset="2"/>
+              </a:rPr>
+              <a:t>Cases when not acceptable. </a:t>
+            </a:r>
+          </a:p>
+          <a:p>
+            <a:pPr lvl="3"/>
+            <a:r>
+              <a:rPr lang="en-US" sz="1200" dirty="0">
+                <a:sym typeface="Wingdings" pitchFamily="2" charset="2"/>
+              </a:rPr>
+              <a:t>Getting the exact count by key for stream</a:t>
+            </a:r>
+          </a:p>
+          <a:p>
+            <a:pPr lvl="3"/>
+            <a:r>
+              <a:rPr lang="en-US" sz="1200" dirty="0">
+                <a:sym typeface="Wingdings" pitchFamily="2" charset="2"/>
+              </a:rPr>
+              <a:t>Bank transaction computation for person’s bank balance. </a:t>
+            </a:r>
+          </a:p>
+          <a:p>
+            <a:pPr lvl="3"/>
+            <a:r>
+              <a:rPr lang="en-US" sz="1200" dirty="0">
+                <a:sym typeface="Wingdings" pitchFamily="2" charset="2"/>
+              </a:rPr>
+              <a:t>Financial operations. </a:t>
+            </a:r>
+          </a:p>
+          <a:p>
+            <a:pPr lvl="3"/>
+            <a:r>
+              <a:rPr lang="en-US" sz="1200" dirty="0">
+                <a:sym typeface="Wingdings" pitchFamily="2" charset="2"/>
+              </a:rPr>
+              <a:t>Any operation that is not idempotent</a:t>
+            </a:r>
+          </a:p>
+          <a:p>
+            <a:pPr lvl="2"/>
+            <a:r>
+              <a:rPr lang="en-US" sz="1200" dirty="0">
+                <a:sym typeface="Wingdings" pitchFamily="2" charset="2"/>
+              </a:rPr>
+              <a:t>Cases when its acceptable.</a:t>
+            </a:r>
+          </a:p>
+          <a:p>
+            <a:pPr lvl="3"/>
+            <a:r>
+              <a:rPr lang="en-US" sz="1200" dirty="0">
+                <a:sym typeface="Wingdings" pitchFamily="2" charset="2"/>
+              </a:rPr>
+              <a:t>Operations on time window. </a:t>
+            </a:r>
+          </a:p>
+          <a:p>
+            <a:pPr lvl="3"/>
+            <a:r>
+              <a:rPr lang="en-US" sz="1200" dirty="0">
+                <a:sym typeface="Wingdings" pitchFamily="2" charset="2"/>
+              </a:rPr>
+              <a:t>Approximate operations.  </a:t>
+            </a:r>
+          </a:p>
+          <a:p>
+            <a:pPr lvl="3"/>
+            <a:r>
+              <a:rPr lang="en-US" sz="1200" dirty="0">
+                <a:sym typeface="Wingdings" pitchFamily="2" charset="2"/>
+              </a:rPr>
+              <a:t>Idempotent operations ( like find max, min ) </a:t>
+            </a:r>
+          </a:p>
+          <a:p>
+            <a:pPr lvl="1"/>
+            <a:r>
+              <a:rPr lang="en-US" sz="1200" dirty="0">
+                <a:sym typeface="Wingdings" pitchFamily="2" charset="2"/>
+              </a:rPr>
+              <a:t>To enable in Kafka – by enabling properties at run time. </a:t>
+            </a:r>
+          </a:p>
+        </p:txBody>
+      </p:sp>
+    </p:spTree>
+    <p:extLst>
+      <p:ext uri="{BB962C8B-B14F-4D97-AF65-F5344CB8AC3E}">
+        <p14:creationId xmlns:p14="http://schemas.microsoft.com/office/powerpoint/2010/main" val="379042517"/>
+      </p:ext>
+    </p:extLst>
+  </p:cSld>
+  <p:clrMapOvr>
+    <a:masterClrMapping/>
+  </p:clrMapOvr>
+</p:sld>
+</file>
+
+<file path=ppt/slides/slide8.xml><?xml version="1.0" encoding="utf-8"?>
+<p:sld xmlns:a="http://schemas.openxmlformats.org/drawingml/2006/main" xmlns:r="http://schemas.openxmlformats.org/officeDocument/2006/relationships" xmlns:p="http://schemas.openxmlformats.org/presentationml/2006/main">
+  <p:cSld>
+    <p:spTree>
+      <p:nvGrpSpPr>
+        <p:cNvPr id="1" name=""/>
+        <p:cNvGrpSpPr/>
+        <p:nvPr/>
+      </p:nvGrpSpPr>
+      <p:grpSpPr>
+        <a:xfrm>
+          <a:off x="0" y="0"/>
+          <a:ext cx="0" cy="0"/>
+          <a:chOff x="0" y="0"/>
+          <a:chExt cx="0" cy="0"/>
+        </a:xfrm>
+      </p:grpSpPr>
+      <p:sp>
+        <p:nvSpPr>
+          <p:cNvPr id="5" name="TextBox 4">
+            <a:extLst>
+              <a:ext uri="{FF2B5EF4-FFF2-40B4-BE49-F238E27FC236}">
+                <a16:creationId xmlns:a16="http://schemas.microsoft.com/office/drawing/2014/main" id="{9FD78C33-C146-7E44-A5F4-21D6033612E7}"/>
+              </a:ext>
+            </a:extLst>
+          </p:cNvPr>
+          <p:cNvSpPr txBox="1"/>
+          <p:nvPr/>
+        </p:nvSpPr>
+        <p:spPr>
+          <a:xfrm>
+            <a:off x="117231" y="105508"/>
+            <a:ext cx="11922369" cy="2954655"/>
+          </a:xfrm>
+          <a:prstGeom prst="rect">
+            <a:avLst/>
+          </a:prstGeom>
+          <a:noFill/>
+        </p:spPr>
+        <p:txBody>
+          <a:bodyPr wrap="square" rtlCol="0">
+            <a:spAutoFit/>
+          </a:bodyPr>
+          <a:lstStyle/>
+          <a:p>
+            <a:r>
+              <a:rPr lang="en-US" sz="1200" dirty="0">
+                <a:sym typeface="Wingdings" pitchFamily="2" charset="2"/>
+              </a:rPr>
+              <a:t>Joins – (</a:t>
+            </a:r>
+            <a:r>
+              <a:rPr lang="en-US" sz="1200" dirty="0" err="1"/>
+              <a:t>UserEventEnricherApp.java</a:t>
+            </a:r>
+            <a:r>
+              <a:rPr lang="en-US" sz="1200" dirty="0"/>
+              <a:t>) </a:t>
+            </a:r>
+          </a:p>
+          <a:p>
+            <a:r>
+              <a:rPr lang="en-US" sz="1200" dirty="0">
+                <a:sym typeface="Wingdings" pitchFamily="2" charset="2"/>
+              </a:rPr>
+              <a:t>Links</a:t>
+            </a:r>
+          </a:p>
+          <a:p>
+            <a:pPr marL="628650" lvl="1" indent="-171450">
+              <a:buFont typeface="Arial" panose="020B0604020202020204" pitchFamily="34" charset="0"/>
+              <a:buChar char="•"/>
+            </a:pPr>
+            <a:r>
+              <a:rPr lang="en-US" sz="1200" dirty="0">
+                <a:sym typeface="Wingdings" pitchFamily="2" charset="2"/>
+                <a:hlinkClick r:id="rId2"/>
+              </a:rPr>
+              <a:t>https://kafka.apache.org/20/documentation/streams/developer-guide/dsl-api.html#joining</a:t>
+            </a:r>
+            <a:endParaRPr lang="en-US" sz="1200" dirty="0">
+              <a:sym typeface="Wingdings" pitchFamily="2" charset="2"/>
+            </a:endParaRPr>
+          </a:p>
+          <a:p>
+            <a:pPr marL="628650" lvl="1" indent="-171450">
+              <a:buFont typeface="Arial" panose="020B0604020202020204" pitchFamily="34" charset="0"/>
+              <a:buChar char="•"/>
+            </a:pPr>
+            <a:r>
+              <a:rPr lang="en-US" sz="1200" dirty="0">
+                <a:hlinkClick r:id="rId3"/>
+              </a:rPr>
+              <a:t>https://www.confluent.io/blog/crossing-streams-joins-apache-kafka/</a:t>
+            </a:r>
+            <a:endParaRPr lang="en-US" sz="1200" dirty="0">
+              <a:sym typeface="Wingdings" pitchFamily="2" charset="2"/>
+            </a:endParaRPr>
+          </a:p>
+          <a:p>
+            <a:r>
+              <a:rPr lang="en-US" sz="1200" dirty="0">
+                <a:sym typeface="Wingdings" pitchFamily="2" charset="2"/>
+              </a:rPr>
+              <a:t>4 types : </a:t>
+            </a:r>
+          </a:p>
+          <a:p>
+            <a:pPr marL="685800" lvl="1" indent="-228600">
+              <a:buFont typeface="+mj-lt"/>
+              <a:buAutoNum type="arabicPeriod"/>
+            </a:pPr>
+            <a:r>
+              <a:rPr lang="en-US" sz="1200" dirty="0" err="1"/>
+              <a:t>KStream</a:t>
+            </a:r>
+            <a:r>
+              <a:rPr lang="en-US" sz="1200" dirty="0"/>
+              <a:t>-to-</a:t>
+            </a:r>
+            <a:r>
+              <a:rPr lang="en-US" sz="1200" dirty="0" err="1"/>
+              <a:t>KStream</a:t>
+            </a:r>
+            <a:r>
+              <a:rPr lang="en-US" sz="1200" dirty="0"/>
+              <a:t> (Windowed) </a:t>
+            </a:r>
+          </a:p>
+          <a:p>
+            <a:pPr marL="685800" lvl="1" indent="-228600">
+              <a:buFont typeface="+mj-lt"/>
+              <a:buAutoNum type="arabicPeriod"/>
+            </a:pPr>
+            <a:r>
+              <a:rPr lang="en-US" sz="1200" dirty="0" err="1"/>
+              <a:t>KTable</a:t>
+            </a:r>
+            <a:r>
+              <a:rPr lang="en-US" sz="1200" dirty="0"/>
+              <a:t>-to-</a:t>
+            </a:r>
+            <a:r>
+              <a:rPr lang="en-US" sz="1200" dirty="0" err="1"/>
+              <a:t>KTable</a:t>
+            </a:r>
+            <a:r>
+              <a:rPr lang="en-US" sz="1200" dirty="0"/>
+              <a:t> (Non-Windowed)</a:t>
+            </a:r>
+          </a:p>
+          <a:p>
+            <a:pPr marL="685800" lvl="1" indent="-228600">
+              <a:buFont typeface="+mj-lt"/>
+              <a:buAutoNum type="arabicPeriod"/>
+            </a:pPr>
+            <a:r>
+              <a:rPr lang="en-US" sz="1200" dirty="0" err="1"/>
+              <a:t>KStream</a:t>
+            </a:r>
+            <a:r>
+              <a:rPr lang="en-US" sz="1200" dirty="0"/>
+              <a:t>-to-</a:t>
+            </a:r>
+            <a:r>
+              <a:rPr lang="en-US" sz="1200" dirty="0" err="1"/>
+              <a:t>KTable</a:t>
+            </a:r>
+            <a:r>
+              <a:rPr lang="en-US" sz="1200" dirty="0"/>
+              <a:t> (Non-Windowed)</a:t>
+            </a:r>
+          </a:p>
+          <a:p>
+            <a:pPr marL="685800" lvl="1" indent="-228600">
+              <a:buFont typeface="+mj-lt"/>
+              <a:buAutoNum type="arabicPeriod"/>
+            </a:pPr>
+            <a:r>
+              <a:rPr lang="en-US" sz="1200" dirty="0" err="1"/>
+              <a:t>KStream</a:t>
+            </a:r>
+            <a:r>
+              <a:rPr lang="en-US" sz="1200" dirty="0"/>
+              <a:t>-to-</a:t>
+            </a:r>
+            <a:r>
+              <a:rPr lang="en-US" sz="1200" dirty="0" err="1"/>
+              <a:t>GlobalKTable</a:t>
+            </a:r>
+            <a:r>
+              <a:rPr lang="en-US" sz="1200" dirty="0"/>
+              <a:t> (Non-Windowed)</a:t>
+            </a:r>
+          </a:p>
+          <a:p>
+            <a:r>
+              <a:rPr lang="en-US" sz="1200" dirty="0"/>
+              <a:t>1, 2 and type 3 can only happen when data is co-partition. ( all occasions partition should be same ) </a:t>
+            </a:r>
+          </a:p>
+          <a:p>
+            <a:endParaRPr lang="en-US" sz="1200" dirty="0">
+              <a:sym typeface="Wingdings" pitchFamily="2" charset="2"/>
+            </a:endParaRPr>
+          </a:p>
+          <a:p>
+            <a:r>
+              <a:rPr lang="en-US" sz="1200" dirty="0" err="1">
+                <a:sym typeface="Wingdings" pitchFamily="2" charset="2"/>
+              </a:rPr>
+              <a:t>GlobalKTable</a:t>
+            </a:r>
+            <a:r>
+              <a:rPr lang="en-US" sz="1200" dirty="0">
+                <a:sym typeface="Wingdings" pitchFamily="2" charset="2"/>
+              </a:rPr>
+              <a:t> – </a:t>
+            </a:r>
+          </a:p>
+          <a:p>
+            <a:pPr marL="171450" indent="-171450">
+              <a:buFont typeface="Arial" panose="020B0604020202020204" pitchFamily="34" charset="0"/>
+              <a:buChar char="•"/>
+            </a:pPr>
+            <a:r>
+              <a:rPr lang="en-US" sz="1200" dirty="0" err="1">
+                <a:sym typeface="Wingdings" pitchFamily="2" charset="2"/>
+              </a:rPr>
+              <a:t>KTable</a:t>
+            </a:r>
+            <a:r>
+              <a:rPr lang="en-US" sz="1200" dirty="0">
+                <a:sym typeface="Wingdings" pitchFamily="2" charset="2"/>
+              </a:rPr>
+              <a:t> data is reasonably small and can fit on each on your Kafka Stream application, can read it as </a:t>
+            </a:r>
+            <a:r>
+              <a:rPr lang="en-US" sz="1200" dirty="0" err="1">
+                <a:sym typeface="Wingdings" pitchFamily="2" charset="2"/>
+              </a:rPr>
+              <a:t>GlobalKTable</a:t>
+            </a:r>
+            <a:r>
+              <a:rPr lang="en-US" sz="1200" dirty="0">
+                <a:sym typeface="Wingdings" pitchFamily="2" charset="2"/>
+              </a:rPr>
+              <a:t>. </a:t>
+            </a:r>
+          </a:p>
+          <a:p>
+            <a:pPr marL="171450" indent="-171450">
+              <a:buFont typeface="Arial" panose="020B0604020202020204" pitchFamily="34" charset="0"/>
+              <a:buChar char="•"/>
+            </a:pPr>
+            <a:r>
+              <a:rPr lang="en-US" sz="1200" dirty="0">
+                <a:sym typeface="Wingdings" pitchFamily="2" charset="2"/>
+              </a:rPr>
+              <a:t>With </a:t>
+            </a:r>
+            <a:r>
+              <a:rPr lang="en-US" sz="1200" dirty="0" err="1">
+                <a:sym typeface="Wingdings" pitchFamily="2" charset="2"/>
+              </a:rPr>
+              <a:t>GlobalKTable</a:t>
+            </a:r>
+            <a:r>
+              <a:rPr lang="en-US" sz="1200" dirty="0">
+                <a:sym typeface="Wingdings" pitchFamily="2" charset="2"/>
+              </a:rPr>
+              <a:t>, you can join any stream to your table even if the data </a:t>
+            </a:r>
+            <a:r>
+              <a:rPr lang="en-US" sz="1200" dirty="0" err="1">
+                <a:sym typeface="Wingdings" pitchFamily="2" charset="2"/>
+              </a:rPr>
+              <a:t>dosen’t</a:t>
+            </a:r>
+            <a:r>
+              <a:rPr lang="en-US" sz="1200" dirty="0">
+                <a:sym typeface="Wingdings" pitchFamily="2" charset="2"/>
+              </a:rPr>
+              <a:t> have same number of partitions. ( because table data lives on every streams application)</a:t>
+            </a:r>
+          </a:p>
+          <a:p>
+            <a:pPr marL="171450" indent="-171450">
+              <a:buFont typeface="Arial" panose="020B0604020202020204" pitchFamily="34" charset="0"/>
+              <a:buChar char="•"/>
+            </a:pPr>
+            <a:r>
+              <a:rPr lang="en-US" sz="1200" dirty="0">
+                <a:sym typeface="Wingdings" pitchFamily="2" charset="2"/>
+              </a:rPr>
+              <a:t>The downside of size is on disk, but that’s ok for reasonably sized dataset.  </a:t>
+            </a:r>
+          </a:p>
+        </p:txBody>
+      </p:sp>
+      <p:grpSp>
+        <p:nvGrpSpPr>
+          <p:cNvPr id="15" name="Group 14">
+            <a:extLst>
+              <a:ext uri="{FF2B5EF4-FFF2-40B4-BE49-F238E27FC236}">
+                <a16:creationId xmlns:a16="http://schemas.microsoft.com/office/drawing/2014/main" id="{E3ABCCD4-9BEF-3C4F-969E-248ED9C4705E}"/>
+              </a:ext>
+            </a:extLst>
+          </p:cNvPr>
+          <p:cNvGrpSpPr/>
+          <p:nvPr/>
+        </p:nvGrpSpPr>
+        <p:grpSpPr>
+          <a:xfrm>
+            <a:off x="245632" y="3160049"/>
+            <a:ext cx="1831665" cy="1561264"/>
+            <a:chOff x="8939943" y="614557"/>
+            <a:chExt cx="1831665" cy="1561264"/>
+          </a:xfrm>
+        </p:grpSpPr>
+        <p:sp>
+          <p:nvSpPr>
+            <p:cNvPr id="2" name="Oval 1">
+              <a:extLst>
+                <a:ext uri="{FF2B5EF4-FFF2-40B4-BE49-F238E27FC236}">
+                  <a16:creationId xmlns:a16="http://schemas.microsoft.com/office/drawing/2014/main" id="{1D1A5954-869B-474F-846E-A122257D67FE}"/>
+                </a:ext>
+              </a:extLst>
+            </p:cNvPr>
+            <p:cNvSpPr/>
+            <p:nvPr/>
+          </p:nvSpPr>
+          <p:spPr>
+            <a:xfrm>
+              <a:off x="9559061" y="1160268"/>
+              <a:ext cx="750277" cy="738554"/>
+            </a:xfrm>
+            <a:prstGeom prst="ellipse">
+              <a:avLst/>
+            </a:prstGeom>
+            <a:noFill/>
+            <a:ln>
+              <a:solidFill>
+                <a:schemeClr val="accent1">
+                  <a:lumMod val="75000"/>
+                </a:schemeClr>
+              </a:solidFill>
+            </a:ln>
+          </p:spPr>
+          <p:style>
+            <a:lnRef idx="2">
+              <a:schemeClr val="accent1">
+                <a:shade val="50000"/>
+              </a:schemeClr>
+            </a:lnRef>
+            <a:fillRef idx="1">
+              <a:schemeClr val="accent1"/>
+            </a:fillRef>
+            <a:effectRef idx="0">
+              <a:schemeClr val="accent1"/>
+            </a:effectRef>
+            <a:fontRef idx="minor">
+              <a:schemeClr val="lt1"/>
+            </a:fontRef>
+          </p:style>
+          <p:txBody>
+            <a:bodyPr rtlCol="0" anchor="ctr"/>
+            <a:lstStyle/>
+            <a:p>
+              <a:pPr algn="ctr"/>
+              <a:endParaRPr lang="en-US"/>
+            </a:p>
+          </p:txBody>
+        </p:sp>
+        <p:sp>
+          <p:nvSpPr>
+            <p:cNvPr id="4" name="Oval 3">
+              <a:extLst>
+                <a:ext uri="{FF2B5EF4-FFF2-40B4-BE49-F238E27FC236}">
+                  <a16:creationId xmlns:a16="http://schemas.microsoft.com/office/drawing/2014/main" id="{3D28ECFD-E15C-2C49-B943-4F59398A7FD9}"/>
+                </a:ext>
+              </a:extLst>
+            </p:cNvPr>
+            <p:cNvSpPr/>
+            <p:nvPr/>
+          </p:nvSpPr>
+          <p:spPr>
+            <a:xfrm>
+              <a:off x="10021331" y="1176841"/>
+              <a:ext cx="750277" cy="738554"/>
+            </a:xfrm>
+            <a:prstGeom prst="ellipse">
+              <a:avLst/>
+            </a:prstGeom>
+            <a:noFill/>
+            <a:ln>
+              <a:solidFill>
+                <a:schemeClr val="accent2"/>
+              </a:solidFill>
+            </a:ln>
+          </p:spPr>
+          <p:style>
+            <a:lnRef idx="2">
+              <a:schemeClr val="accent1">
+                <a:shade val="50000"/>
+              </a:schemeClr>
+            </a:lnRef>
+            <a:fillRef idx="1">
+              <a:schemeClr val="accent1"/>
+            </a:fillRef>
+            <a:effectRef idx="0">
+              <a:schemeClr val="accent1"/>
+            </a:effectRef>
+            <a:fontRef idx="minor">
+              <a:schemeClr val="lt1"/>
+            </a:fontRef>
+          </p:style>
+          <p:txBody>
+            <a:bodyPr rtlCol="0" anchor="ctr"/>
+            <a:lstStyle/>
+            <a:p>
+              <a:pPr algn="ctr"/>
+              <a:endParaRPr lang="en-US"/>
+            </a:p>
+          </p:txBody>
+        </p:sp>
+        <p:sp>
+          <p:nvSpPr>
+            <p:cNvPr id="3" name="TextBox 2">
+              <a:extLst>
+                <a:ext uri="{FF2B5EF4-FFF2-40B4-BE49-F238E27FC236}">
+                  <a16:creationId xmlns:a16="http://schemas.microsoft.com/office/drawing/2014/main" id="{A53CC520-C4BF-014F-9CD8-41CECC356EE1}"/>
+                </a:ext>
+              </a:extLst>
+            </p:cNvPr>
+            <p:cNvSpPr txBox="1"/>
+            <p:nvPr/>
+          </p:nvSpPr>
+          <p:spPr>
+            <a:xfrm>
+              <a:off x="9876218" y="614557"/>
+              <a:ext cx="795411" cy="276999"/>
+            </a:xfrm>
+            <a:prstGeom prst="rect">
+              <a:avLst/>
+            </a:prstGeom>
+            <a:noFill/>
+            <a:ln>
+              <a:solidFill>
+                <a:schemeClr val="tx1"/>
+              </a:solidFill>
+            </a:ln>
+          </p:spPr>
+          <p:txBody>
+            <a:bodyPr wrap="none" rtlCol="0">
+              <a:spAutoFit/>
+            </a:bodyPr>
+            <a:lstStyle/>
+            <a:p>
+              <a:r>
+                <a:rPr lang="en-US" sz="1200" dirty="0"/>
+                <a:t>Inner Join</a:t>
+              </a:r>
+            </a:p>
+          </p:txBody>
+        </p:sp>
+        <p:cxnSp>
+          <p:nvCxnSpPr>
+            <p:cNvPr id="7" name="Straight Arrow Connector 6">
+              <a:extLst>
+                <a:ext uri="{FF2B5EF4-FFF2-40B4-BE49-F238E27FC236}">
+                  <a16:creationId xmlns:a16="http://schemas.microsoft.com/office/drawing/2014/main" id="{27A4A37D-E5D6-3A4B-864D-4A4052900B89}"/>
+                </a:ext>
+              </a:extLst>
+            </p:cNvPr>
+            <p:cNvCxnSpPr>
+              <a:stCxn id="3" idx="2"/>
+            </p:cNvCxnSpPr>
+            <p:nvPr/>
+          </p:nvCxnSpPr>
+          <p:spPr>
+            <a:xfrm flipH="1">
+              <a:off x="10157254" y="891556"/>
+              <a:ext cx="116670" cy="654562"/>
+            </a:xfrm>
+            <a:prstGeom prst="straightConnector1">
+              <a:avLst/>
+            </a:prstGeom>
+            <a:ln w="25400">
+              <a:solidFill>
+                <a:schemeClr val="tx1"/>
+              </a:solidFill>
+              <a:tailEnd type="triangle"/>
+            </a:ln>
+          </p:spPr>
+          <p:style>
+            <a:lnRef idx="1">
+              <a:schemeClr val="accent1"/>
+            </a:lnRef>
+            <a:fillRef idx="0">
+              <a:schemeClr val="accent1"/>
+            </a:fillRef>
+            <a:effectRef idx="0">
+              <a:schemeClr val="accent1"/>
+            </a:effectRef>
+            <a:fontRef idx="minor">
+              <a:schemeClr val="tx1"/>
+            </a:fontRef>
+          </p:style>
+        </p:cxnSp>
+        <p:sp>
+          <p:nvSpPr>
+            <p:cNvPr id="8" name="TextBox 7">
+              <a:extLst>
+                <a:ext uri="{FF2B5EF4-FFF2-40B4-BE49-F238E27FC236}">
+                  <a16:creationId xmlns:a16="http://schemas.microsoft.com/office/drawing/2014/main" id="{295DB98C-737B-2549-B592-BD43211FC8AD}"/>
+                </a:ext>
+              </a:extLst>
+            </p:cNvPr>
+            <p:cNvSpPr txBox="1"/>
+            <p:nvPr/>
+          </p:nvSpPr>
+          <p:spPr>
+            <a:xfrm>
+              <a:off x="8939943" y="1898822"/>
+              <a:ext cx="704295" cy="276999"/>
+            </a:xfrm>
+            <a:prstGeom prst="rect">
+              <a:avLst/>
+            </a:prstGeom>
+            <a:noFill/>
+            <a:ln>
+              <a:solidFill>
+                <a:schemeClr val="tx1"/>
+              </a:solidFill>
+            </a:ln>
+          </p:spPr>
+          <p:txBody>
+            <a:bodyPr wrap="none" rtlCol="0">
+              <a:spAutoFit/>
+            </a:bodyPr>
+            <a:lstStyle/>
+            <a:p>
+              <a:r>
+                <a:rPr lang="en-US" sz="1200" dirty="0"/>
+                <a:t>Left Join</a:t>
+              </a:r>
+            </a:p>
+          </p:txBody>
+        </p:sp>
+        <p:cxnSp>
+          <p:nvCxnSpPr>
+            <p:cNvPr id="9" name="Straight Arrow Connector 8">
+              <a:extLst>
+                <a:ext uri="{FF2B5EF4-FFF2-40B4-BE49-F238E27FC236}">
+                  <a16:creationId xmlns:a16="http://schemas.microsoft.com/office/drawing/2014/main" id="{1AE85726-21BA-5740-BCDF-DF9E8BAA134F}"/>
+                </a:ext>
+              </a:extLst>
+            </p:cNvPr>
+            <p:cNvCxnSpPr>
+              <a:cxnSpLocks/>
+            </p:cNvCxnSpPr>
+            <p:nvPr/>
+          </p:nvCxnSpPr>
+          <p:spPr>
+            <a:xfrm flipV="1">
+              <a:off x="9096791" y="1668162"/>
+              <a:ext cx="547447" cy="230660"/>
+            </a:xfrm>
+            <a:prstGeom prst="straightConnector1">
+              <a:avLst/>
+            </a:prstGeom>
+            <a:ln w="25400">
+              <a:solidFill>
+                <a:schemeClr val="accent1">
+                  <a:lumMod val="75000"/>
+                </a:schemeClr>
+              </a:solidFill>
+              <a:tailEnd type="triangle"/>
+            </a:ln>
+          </p:spPr>
+          <p:style>
+            <a:lnRef idx="1">
+              <a:schemeClr val="accent1"/>
+            </a:lnRef>
+            <a:fillRef idx="0">
+              <a:schemeClr val="accent1"/>
+            </a:fillRef>
+            <a:effectRef idx="0">
+              <a:schemeClr val="accent1"/>
+            </a:effectRef>
+            <a:fontRef idx="minor">
+              <a:schemeClr val="tx1"/>
+            </a:fontRef>
+          </p:style>
+        </p:cxnSp>
+      </p:grpSp>
+    </p:spTree>
+    <p:extLst>
+      <p:ext uri="{BB962C8B-B14F-4D97-AF65-F5344CB8AC3E}">
+        <p14:creationId xmlns:p14="http://schemas.microsoft.com/office/powerpoint/2010/main" val="2362996437"/>
+      </p:ext>
+    </p:extLst>
+  </p:cSld>
+  <p:clrMapOvr>
+    <a:masterClrMapping/>
+  </p:clrMapOvr>
+</p:sld>
+</file>
+
+<file path=ppt/slides/slide9.xml><?xml version="1.0" encoding="utf-8"?>
+<p:sld xmlns:a="http://schemas.openxmlformats.org/drawingml/2006/main" xmlns:r="http://schemas.openxmlformats.org/officeDocument/2006/relationships" xmlns:p="http://schemas.openxmlformats.org/presentationml/2006/main">
+  <p:cSld>
+    <p:spTree>
+      <p:nvGrpSpPr>
+        <p:cNvPr id="1" name=""/>
+        <p:cNvGrpSpPr/>
+        <p:nvPr/>
+      </p:nvGrpSpPr>
+      <p:grpSpPr>
+        <a:xfrm>
+          <a:off x="0" y="0"/>
+          <a:ext cx="0" cy="0"/>
+          <a:chOff x="0" y="0"/>
+          <a:chExt cx="0" cy="0"/>
+        </a:xfrm>
+      </p:grpSpPr>
+      <p:sp>
+        <p:nvSpPr>
           <p:cNvPr id="4" name="TextBox 3">
             <a:extLst>
               <a:ext uri="{FF2B5EF4-FFF2-40B4-BE49-F238E27FC236}">
